--- a/prototype.pptx
+++ b/prototype.pptx
@@ -7,6 +7,8 @@
   <p:sldIdLst>
     <p:sldId id="256" r:id="rId2"/>
     <p:sldId id="257" r:id="rId3"/>
+    <p:sldId id="258" r:id="rId4"/>
+    <p:sldId id="259" r:id="rId5"/>
   </p:sldIdLst>
   <p:sldSz cx="9144000" cy="6858000" type="screen4x3"/>
   <p:notesSz cx="6858000" cy="9144000"/>
@@ -289,7 +291,7 @@
           <a:p>
             <a:fld id="{B4C71EC6-210F-42DE-9C53-41977AD35B3D}" type="datetimeFigureOut">
               <a:rPr lang="ru-RU" smtClean="0"/>
-              <a:t>16/06/2017</a:t>
+              <a:t>19/06/2017</a:t>
             </a:fld>
             <a:endParaRPr lang="ru-RU"/>
           </a:p>
@@ -454,7 +456,7 @@
           <a:p>
             <a:fld id="{B4C71EC6-210F-42DE-9C53-41977AD35B3D}" type="datetimeFigureOut">
               <a:rPr lang="ru-RU" smtClean="0"/>
-              <a:t>16/06/2017</a:t>
+              <a:t>19/06/2017</a:t>
             </a:fld>
             <a:endParaRPr lang="ru-RU"/>
           </a:p>
@@ -629,7 +631,7 @@
           <a:p>
             <a:fld id="{B4C71EC6-210F-42DE-9C53-41977AD35B3D}" type="datetimeFigureOut">
               <a:rPr lang="ru-RU" smtClean="0"/>
-              <a:t>16/06/2017</a:t>
+              <a:t>19/06/2017</a:t>
             </a:fld>
             <a:endParaRPr lang="ru-RU"/>
           </a:p>
@@ -794,7 +796,7 @@
           <a:p>
             <a:fld id="{B4C71EC6-210F-42DE-9C53-41977AD35B3D}" type="datetimeFigureOut">
               <a:rPr lang="ru-RU" smtClean="0"/>
-              <a:t>16/06/2017</a:t>
+              <a:t>19/06/2017</a:t>
             </a:fld>
             <a:endParaRPr lang="ru-RU"/>
           </a:p>
@@ -1035,7 +1037,7 @@
           <a:p>
             <a:fld id="{B4C71EC6-210F-42DE-9C53-41977AD35B3D}" type="datetimeFigureOut">
               <a:rPr lang="ru-RU" smtClean="0"/>
-              <a:t>16/06/2017</a:t>
+              <a:t>19/06/2017</a:t>
             </a:fld>
             <a:endParaRPr lang="ru-RU"/>
           </a:p>
@@ -1318,7 +1320,7 @@
           <a:p>
             <a:fld id="{B4C71EC6-210F-42DE-9C53-41977AD35B3D}" type="datetimeFigureOut">
               <a:rPr lang="ru-RU" smtClean="0"/>
-              <a:t>16/06/2017</a:t>
+              <a:t>19/06/2017</a:t>
             </a:fld>
             <a:endParaRPr lang="ru-RU"/>
           </a:p>
@@ -1735,7 +1737,7 @@
           <a:p>
             <a:fld id="{B4C71EC6-210F-42DE-9C53-41977AD35B3D}" type="datetimeFigureOut">
               <a:rPr lang="ru-RU" smtClean="0"/>
-              <a:t>16/06/2017</a:t>
+              <a:t>19/06/2017</a:t>
             </a:fld>
             <a:endParaRPr lang="ru-RU"/>
           </a:p>
@@ -1848,7 +1850,7 @@
           <a:p>
             <a:fld id="{B4C71EC6-210F-42DE-9C53-41977AD35B3D}" type="datetimeFigureOut">
               <a:rPr lang="ru-RU" smtClean="0"/>
-              <a:t>16/06/2017</a:t>
+              <a:t>19/06/2017</a:t>
             </a:fld>
             <a:endParaRPr lang="ru-RU"/>
           </a:p>
@@ -1938,7 +1940,7 @@
           <a:p>
             <a:fld id="{B4C71EC6-210F-42DE-9C53-41977AD35B3D}" type="datetimeFigureOut">
               <a:rPr lang="ru-RU" smtClean="0"/>
-              <a:t>16/06/2017</a:t>
+              <a:t>19/06/2017</a:t>
             </a:fld>
             <a:endParaRPr lang="ru-RU"/>
           </a:p>
@@ -2210,7 +2212,7 @@
           <a:p>
             <a:fld id="{B4C71EC6-210F-42DE-9C53-41977AD35B3D}" type="datetimeFigureOut">
               <a:rPr lang="ru-RU" smtClean="0"/>
-              <a:t>16/06/2017</a:t>
+              <a:t>19/06/2017</a:t>
             </a:fld>
             <a:endParaRPr lang="ru-RU"/>
           </a:p>
@@ -2458,7 +2460,7 @@
           <a:p>
             <a:fld id="{B4C71EC6-210F-42DE-9C53-41977AD35B3D}" type="datetimeFigureOut">
               <a:rPr lang="ru-RU" smtClean="0"/>
-              <a:t>16/06/2017</a:t>
+              <a:t>19/06/2017</a:t>
             </a:fld>
             <a:endParaRPr lang="ru-RU"/>
           </a:p>
@@ -2666,7 +2668,7 @@
           <a:p>
             <a:fld id="{B4C71EC6-210F-42DE-9C53-41977AD35B3D}" type="datetimeFigureOut">
               <a:rPr lang="ru-RU" smtClean="0"/>
-              <a:t>16/06/2017</a:t>
+              <a:t>19/06/2017</a:t>
             </a:fld>
             <a:endParaRPr lang="ru-RU"/>
           </a:p>
@@ -3278,7 +3280,7 @@
         </p:nvCxnSpPr>
         <p:spPr>
           <a:xfrm>
-            <a:off x="496347" y="1484784"/>
+            <a:off x="496347" y="1512000"/>
             <a:ext cx="475253" cy="0"/>
           </a:xfrm>
           <a:prstGeom prst="line">
@@ -3308,8 +3310,8 @@
         </p:nvSpPr>
         <p:spPr>
           <a:xfrm>
-            <a:off x="395537" y="1772816"/>
-            <a:ext cx="8280920" cy="1224136"/>
+            <a:off x="395536" y="1651582"/>
+            <a:ext cx="8280920" cy="625290"/>
           </a:xfrm>
           <a:prstGeom prst="rect">
             <a:avLst/>
@@ -3361,8 +3363,8 @@
         </p:nvCxnSpPr>
         <p:spPr>
           <a:xfrm>
-            <a:off x="2339752" y="2492896"/>
-            <a:ext cx="1368152" cy="0"/>
+            <a:off x="2392121" y="2204864"/>
+            <a:ext cx="1243775" cy="0"/>
           </a:xfrm>
           <a:prstGeom prst="line">
             <a:avLst/>
@@ -3399,7 +3401,7 @@
         </p:nvCxnSpPr>
         <p:spPr>
           <a:xfrm>
-            <a:off x="1933889" y="2348880"/>
+            <a:off x="1933888" y="2083630"/>
             <a:ext cx="261847" cy="0"/>
           </a:xfrm>
           <a:prstGeom prst="straightConnector1">
@@ -3438,7 +3440,7 @@
         </p:nvSpPr>
         <p:spPr>
           <a:xfrm>
-            <a:off x="2267744" y="2132856"/>
+            <a:off x="2267743" y="1867606"/>
             <a:ext cx="1512168" cy="360040"/>
           </a:xfrm>
           <a:prstGeom prst="rect">
@@ -3502,7 +3504,7 @@
         </p:nvSpPr>
         <p:spPr>
           <a:xfrm>
-            <a:off x="496347" y="2233072"/>
+            <a:off x="496346" y="1967822"/>
             <a:ext cx="1437542" cy="169814"/>
           </a:xfrm>
           <a:prstGeom prst="rect">
@@ -3555,7 +3557,7 @@
         </p:nvSpPr>
         <p:spPr>
           <a:xfrm>
-            <a:off x="487676" y="1916832"/>
+            <a:off x="487675" y="1651582"/>
             <a:ext cx="1131995" cy="316240"/>
           </a:xfrm>
           <a:prstGeom prst="rect">
@@ -3604,76 +3606,13 @@
       </p:sp>
       <p:sp>
         <p:nvSpPr>
-          <p:cNvPr id="25" name="Прямоугольник 24"/>
-          <p:cNvSpPr/>
-          <p:nvPr/>
-        </p:nvSpPr>
-        <p:spPr>
-          <a:xfrm>
-            <a:off x="487676" y="2708920"/>
-            <a:ext cx="3364244" cy="180020"/>
-          </a:xfrm>
-          <a:prstGeom prst="rect">
-            <a:avLst/>
-          </a:prstGeom>
-          <a:noFill/>
-          <a:ln>
-            <a:noFill/>
-          </a:ln>
-        </p:spPr>
-        <p:style>
-          <a:lnRef idx="2">
-            <a:schemeClr val="accent1">
-              <a:shade val="50000"/>
-            </a:schemeClr>
-          </a:lnRef>
-          <a:fillRef idx="1">
-            <a:schemeClr val="accent1"/>
-          </a:fillRef>
-          <a:effectRef idx="0">
-            <a:schemeClr val="accent1"/>
-          </a:effectRef>
-          <a:fontRef idx="minor">
-            <a:schemeClr val="lt1"/>
-          </a:fontRef>
-        </p:style>
-        <p:txBody>
-          <a:bodyPr rtlCol="0" anchor="ctr"/>
-          <a:lstStyle/>
-          <a:p>
-            <a:r>
-              <a:rPr lang="ru-RU" sz="800" dirty="0">
-                <a:solidFill>
-                  <a:schemeClr val="bg1">
-                    <a:lumMod val="50000"/>
-                  </a:schemeClr>
-                </a:solidFill>
-              </a:rPr>
-              <a:t>Иванов Иван </a:t>
-            </a:r>
-            <a:r>
-              <a:rPr lang="ru-RU" sz="800" dirty="0" smtClean="0">
-                <a:solidFill>
-                  <a:schemeClr val="bg1">
-                    <a:lumMod val="50000"/>
-                  </a:schemeClr>
-                </a:solidFill>
-              </a:rPr>
-              <a:t>Иванович  .  15.06.2017</a:t>
-            </a:r>
-            <a:endParaRPr lang="ru-RU" sz="800" dirty="0"/>
-          </a:p>
-        </p:txBody>
-      </p:sp>
-      <p:sp>
-        <p:nvSpPr>
           <p:cNvPr id="26" name="Прямоугольник 25"/>
           <p:cNvSpPr/>
           <p:nvPr/>
         </p:nvSpPr>
         <p:spPr>
           <a:xfrm>
-            <a:off x="395536" y="3068960"/>
+            <a:off x="395536" y="2420888"/>
             <a:ext cx="8280920" cy="1224136"/>
           </a:xfrm>
           <a:prstGeom prst="rect">
@@ -3726,7 +3665,7 @@
         </p:nvCxnSpPr>
         <p:spPr>
           <a:xfrm>
-            <a:off x="1933888" y="3645024"/>
+            <a:off x="1933888" y="2996952"/>
             <a:ext cx="261847" cy="0"/>
           </a:xfrm>
           <a:prstGeom prst="straightConnector1">
@@ -3765,7 +3704,7 @@
         </p:nvSpPr>
         <p:spPr>
           <a:xfrm>
-            <a:off x="2267743" y="3429000"/>
+            <a:off x="2267743" y="2780928"/>
             <a:ext cx="1512168" cy="360040"/>
           </a:xfrm>
           <a:prstGeom prst="rect">
@@ -3829,7 +3768,7 @@
         </p:nvSpPr>
         <p:spPr>
           <a:xfrm>
-            <a:off x="496346" y="3529216"/>
+            <a:off x="496346" y="2881144"/>
             <a:ext cx="1437542" cy="169814"/>
           </a:xfrm>
           <a:prstGeom prst="rect">
@@ -3882,7 +3821,7 @@
         </p:nvSpPr>
         <p:spPr>
           <a:xfrm>
-            <a:off x="487675" y="3212976"/>
+            <a:off x="487675" y="2564904"/>
             <a:ext cx="1131995" cy="316240"/>
           </a:xfrm>
           <a:prstGeom prst="rect">
@@ -3937,7 +3876,7 @@
         </p:nvSpPr>
         <p:spPr>
           <a:xfrm>
-            <a:off x="487675" y="4005064"/>
+            <a:off x="487675" y="3356992"/>
             <a:ext cx="3364244" cy="180020"/>
           </a:xfrm>
           <a:prstGeom prst="rect">
@@ -4000,8 +3939,8 @@
         </p:nvCxnSpPr>
         <p:spPr>
           <a:xfrm>
-            <a:off x="2339751" y="3789040"/>
-            <a:ext cx="1368152" cy="0"/>
+            <a:off x="2339752" y="3140968"/>
+            <a:ext cx="1243775" cy="0"/>
           </a:xfrm>
           <a:prstGeom prst="line">
             <a:avLst/>
@@ -4030,6 +3969,54 @@
           </a:fontRef>
         </p:style>
       </p:cxnSp>
+      <p:sp>
+        <p:nvSpPr>
+          <p:cNvPr id="2" name="Управляющая кнопка: далее 1">
+            <a:hlinkClick r:id="" action="ppaction://hlinkshowjump?jump=nextslide" highlightClick="1"/>
+          </p:cNvPr>
+          <p:cNvSpPr/>
+          <p:nvPr/>
+        </p:nvSpPr>
+        <p:spPr>
+          <a:xfrm>
+            <a:off x="8100392" y="1835985"/>
+            <a:ext cx="360040" cy="256484"/>
+          </a:xfrm>
+          <a:prstGeom prst="actionButtonForwardNext">
+            <a:avLst/>
+          </a:prstGeom>
+          <a:solidFill>
+            <a:schemeClr val="bg1"/>
+          </a:solidFill>
+          <a:ln>
+            <a:noFill/>
+          </a:ln>
+        </p:spPr>
+        <p:style>
+          <a:lnRef idx="2">
+            <a:schemeClr val="accent1">
+              <a:shade val="50000"/>
+            </a:schemeClr>
+          </a:lnRef>
+          <a:fillRef idx="1">
+            <a:schemeClr val="accent1"/>
+          </a:fillRef>
+          <a:effectRef idx="0">
+            <a:schemeClr val="accent1"/>
+          </a:effectRef>
+          <a:fontRef idx="minor">
+            <a:schemeClr val="lt1"/>
+          </a:fontRef>
+        </p:style>
+        <p:txBody>
+          <a:bodyPr rtlCol="0" anchor="ctr"/>
+          <a:lstStyle/>
+          <a:p>
+            <a:pPr algn="ctr"/>
+            <a:endParaRPr lang="ru-RU"/>
+          </a:p>
+        </p:txBody>
+      </p:sp>
     </p:spTree>
     <p:extLst>
       <p:ext uri="{BB962C8B-B14F-4D97-AF65-F5344CB8AC3E}">
@@ -4261,7 +4248,7 @@
         </p:nvCxnSpPr>
         <p:spPr>
           <a:xfrm>
-            <a:off x="1113652" y="1484784"/>
+            <a:off x="1113652" y="1512000"/>
             <a:ext cx="392771" cy="0"/>
           </a:xfrm>
           <a:prstGeom prst="line">
@@ -4345,7 +4332,7 @@
         <p:spPr>
           <a:xfrm>
             <a:off x="487676" y="1988840"/>
-            <a:ext cx="4228340" cy="244232"/>
+            <a:ext cx="2114170" cy="244232"/>
           </a:xfrm>
           <a:prstGeom prst="rect">
             <a:avLst/>
@@ -4393,17 +4380,7 @@
                   <a:schemeClr val="tx1"/>
                 </a:solidFill>
               </a:rPr>
-              <a:t>Иванович . </a:t>
-            </a:r>
-            <a:r>
-              <a:rPr lang="ru-RU" sz="1000" dirty="0" smtClean="0">
-                <a:solidFill>
-                  <a:schemeClr val="bg1">
-                    <a:lumMod val="50000"/>
-                  </a:schemeClr>
-                </a:solidFill>
-              </a:rPr>
-              <a:t>6 регионов</a:t>
+              <a:t>Иванович</a:t>
             </a:r>
             <a:endParaRPr lang="ru-RU" sz="1000" dirty="0">
               <a:solidFill>
@@ -4423,8 +4400,8 @@
         </p:nvSpPr>
         <p:spPr>
           <a:xfrm>
-            <a:off x="290364" y="2492896"/>
-            <a:ext cx="8280920" cy="360040"/>
+            <a:off x="323528" y="2348880"/>
+            <a:ext cx="8280920" cy="504056"/>
           </a:xfrm>
           <a:prstGeom prst="rect">
             <a:avLst/>
@@ -4476,8 +4453,8 @@
         </p:nvSpPr>
         <p:spPr>
           <a:xfrm>
-            <a:off x="454512" y="2550800"/>
-            <a:ext cx="4228340" cy="244232"/>
+            <a:off x="454512" y="2406784"/>
+            <a:ext cx="2114170" cy="244232"/>
           </a:xfrm>
           <a:prstGeom prst="rect">
             <a:avLst/>
@@ -4517,8 +4494,132 @@
                   <a:schemeClr val="tx1"/>
                 </a:solidFill>
               </a:rPr>
-              <a:t>Петров Петр Петрович . </a:t>
-            </a:r>
+              <a:t>Петров Петр </a:t>
+            </a:r>
+            <a:r>
+              <a:rPr lang="ru-RU" sz="1400" dirty="0" smtClean="0">
+                <a:solidFill>
+                  <a:schemeClr val="tx1"/>
+                </a:solidFill>
+              </a:rPr>
+              <a:t>Петрович</a:t>
+            </a:r>
+            <a:endParaRPr lang="ru-RU" sz="1000" dirty="0">
+              <a:solidFill>
+                <a:schemeClr val="bg1">
+                  <a:lumMod val="50000"/>
+                </a:schemeClr>
+              </a:solidFill>
+            </a:endParaRPr>
+          </a:p>
+        </p:txBody>
+      </p:sp>
+      <p:sp>
+        <p:nvSpPr>
+          <p:cNvPr id="10" name="Прямоугольник 9"/>
+          <p:cNvSpPr/>
+          <p:nvPr/>
+        </p:nvSpPr>
+        <p:spPr>
+          <a:xfrm>
+            <a:off x="7092280" y="2008664"/>
+            <a:ext cx="936104" cy="244232"/>
+          </a:xfrm>
+          <a:prstGeom prst="rect">
+            <a:avLst/>
+          </a:prstGeom>
+          <a:solidFill>
+            <a:schemeClr val="bg1">
+              <a:lumMod val="95000"/>
+            </a:schemeClr>
+          </a:solidFill>
+          <a:ln>
+            <a:noFill/>
+          </a:ln>
+        </p:spPr>
+        <p:style>
+          <a:lnRef idx="2">
+            <a:schemeClr val="accent1">
+              <a:shade val="50000"/>
+            </a:schemeClr>
+          </a:lnRef>
+          <a:fillRef idx="1">
+            <a:schemeClr val="accent1"/>
+          </a:fillRef>
+          <a:effectRef idx="0">
+            <a:schemeClr val="accent1"/>
+          </a:effectRef>
+          <a:fontRef idx="minor">
+            <a:schemeClr val="lt1"/>
+          </a:fontRef>
+        </p:style>
+        <p:txBody>
+          <a:bodyPr rtlCol="0" anchor="ctr"/>
+          <a:lstStyle/>
+          <a:p>
+            <a:r>
+              <a:rPr lang="ru-RU" sz="1000" dirty="0" smtClean="0">
+                <a:solidFill>
+                  <a:schemeClr val="bg1">
+                    <a:lumMod val="50000"/>
+                  </a:schemeClr>
+                </a:solidFill>
+              </a:rPr>
+              <a:t>6 регионов</a:t>
+            </a:r>
+            <a:endParaRPr lang="ru-RU" sz="1000" dirty="0">
+              <a:solidFill>
+                <a:schemeClr val="bg1">
+                  <a:lumMod val="50000"/>
+                </a:schemeClr>
+              </a:solidFill>
+            </a:endParaRPr>
+          </a:p>
+        </p:txBody>
+      </p:sp>
+      <p:sp>
+        <p:nvSpPr>
+          <p:cNvPr id="11" name="Прямоугольник 10"/>
+          <p:cNvSpPr/>
+          <p:nvPr/>
+        </p:nvSpPr>
+        <p:spPr>
+          <a:xfrm>
+            <a:off x="7092280" y="2458562"/>
+            <a:ext cx="720080" cy="244232"/>
+          </a:xfrm>
+          <a:prstGeom prst="rect">
+            <a:avLst/>
+          </a:prstGeom>
+          <a:solidFill>
+            <a:schemeClr val="bg1">
+              <a:lumMod val="95000"/>
+            </a:schemeClr>
+          </a:solidFill>
+          <a:ln>
+            <a:noFill/>
+          </a:ln>
+        </p:spPr>
+        <p:style>
+          <a:lnRef idx="2">
+            <a:schemeClr val="accent1">
+              <a:shade val="50000"/>
+            </a:schemeClr>
+          </a:lnRef>
+          <a:fillRef idx="1">
+            <a:schemeClr val="accent1"/>
+          </a:fillRef>
+          <a:effectRef idx="0">
+            <a:schemeClr val="accent1"/>
+          </a:effectRef>
+          <a:fontRef idx="minor">
+            <a:schemeClr val="lt1"/>
+          </a:fontRef>
+        </p:style>
+        <p:txBody>
+          <a:bodyPr rtlCol="0" anchor="ctr"/>
+          <a:lstStyle/>
+          <a:p>
             <a:r>
               <a:rPr lang="ru-RU" sz="1000" dirty="0">
                 <a:solidFill>
@@ -4539,7 +4640,159 @@
               </a:rPr>
               <a:t> регион</a:t>
             </a:r>
-            <a:endParaRPr lang="ru-RU" sz="1000" dirty="0">
+          </a:p>
+        </p:txBody>
+      </p:sp>
+      <p:sp>
+        <p:nvSpPr>
+          <p:cNvPr id="14" name="Управляющая кнопка: далее 13">
+            <a:hlinkClick r:id="" action="ppaction://hlinkshowjump?jump=nextslide" highlightClick="1"/>
+          </p:cNvPr>
+          <p:cNvSpPr/>
+          <p:nvPr/>
+        </p:nvSpPr>
+        <p:spPr>
+          <a:xfrm>
+            <a:off x="8028384" y="1988840"/>
+            <a:ext cx="360040" cy="256484"/>
+          </a:xfrm>
+          <a:prstGeom prst="actionButtonForwardNext">
+            <a:avLst/>
+          </a:prstGeom>
+          <a:solidFill>
+            <a:schemeClr val="bg1"/>
+          </a:solidFill>
+          <a:ln>
+            <a:noFill/>
+          </a:ln>
+        </p:spPr>
+        <p:style>
+          <a:lnRef idx="2">
+            <a:schemeClr val="accent1">
+              <a:shade val="50000"/>
+            </a:schemeClr>
+          </a:lnRef>
+          <a:fillRef idx="1">
+            <a:schemeClr val="accent1"/>
+          </a:fillRef>
+          <a:effectRef idx="0">
+            <a:schemeClr val="accent1"/>
+          </a:effectRef>
+          <a:fontRef idx="minor">
+            <a:schemeClr val="lt1"/>
+          </a:fontRef>
+        </p:style>
+        <p:txBody>
+          <a:bodyPr rtlCol="0" anchor="ctr"/>
+          <a:lstStyle/>
+          <a:p>
+            <a:pPr algn="ctr"/>
+            <a:endParaRPr lang="ru-RU"/>
+          </a:p>
+        </p:txBody>
+      </p:sp>
+      <p:sp>
+        <p:nvSpPr>
+          <p:cNvPr id="15" name="Управляющая кнопка: далее 14">
+            <a:hlinkClick r:id="" action="ppaction://hlinkshowjump?jump=nextslide" highlightClick="1"/>
+          </p:cNvPr>
+          <p:cNvSpPr/>
+          <p:nvPr/>
+        </p:nvSpPr>
+        <p:spPr>
+          <a:xfrm>
+            <a:off x="8028384" y="2452436"/>
+            <a:ext cx="360040" cy="256484"/>
+          </a:xfrm>
+          <a:prstGeom prst="actionButtonForwardNext">
+            <a:avLst/>
+          </a:prstGeom>
+          <a:solidFill>
+            <a:schemeClr val="bg1"/>
+          </a:solidFill>
+          <a:ln>
+            <a:noFill/>
+          </a:ln>
+        </p:spPr>
+        <p:style>
+          <a:lnRef idx="2">
+            <a:schemeClr val="accent1">
+              <a:shade val="50000"/>
+            </a:schemeClr>
+          </a:lnRef>
+          <a:fillRef idx="1">
+            <a:schemeClr val="accent1"/>
+          </a:fillRef>
+          <a:effectRef idx="0">
+            <a:schemeClr val="accent1"/>
+          </a:effectRef>
+          <a:fontRef idx="minor">
+            <a:schemeClr val="lt1"/>
+          </a:fontRef>
+        </p:style>
+        <p:txBody>
+          <a:bodyPr rtlCol="0" anchor="ctr"/>
+          <a:lstStyle/>
+          <a:p>
+            <a:pPr algn="ctr"/>
+            <a:endParaRPr lang="ru-RU"/>
+          </a:p>
+        </p:txBody>
+      </p:sp>
+      <p:sp>
+        <p:nvSpPr>
+          <p:cNvPr id="16" name="Прямоугольник 15"/>
+          <p:cNvSpPr/>
+          <p:nvPr/>
+        </p:nvSpPr>
+        <p:spPr>
+          <a:xfrm>
+            <a:off x="487676" y="2663626"/>
+            <a:ext cx="555932" cy="122116"/>
+          </a:xfrm>
+          <a:prstGeom prst="rect">
+            <a:avLst/>
+          </a:prstGeom>
+          <a:solidFill>
+            <a:schemeClr val="bg1">
+              <a:lumMod val="95000"/>
+            </a:schemeClr>
+          </a:solidFill>
+          <a:ln>
+            <a:noFill/>
+          </a:ln>
+        </p:spPr>
+        <p:style>
+          <a:lnRef idx="2">
+            <a:schemeClr val="accent1">
+              <a:shade val="50000"/>
+            </a:schemeClr>
+          </a:lnRef>
+          <a:fillRef idx="1">
+            <a:schemeClr val="accent1"/>
+          </a:fillRef>
+          <a:effectRef idx="0">
+            <a:schemeClr val="accent1"/>
+          </a:effectRef>
+          <a:fontRef idx="minor">
+            <a:schemeClr val="lt1"/>
+          </a:fontRef>
+        </p:style>
+        <p:txBody>
+          <a:bodyPr rtlCol="0" anchor="ctr"/>
+          <a:lstStyle/>
+          <a:p>
+            <a:r>
+              <a:rPr lang="ru-RU" sz="900" dirty="0" smtClean="0">
+                <a:solidFill>
+                  <a:schemeClr val="bg1">
+                    <a:lumMod val="50000"/>
+                  </a:schemeClr>
+                </a:solidFill>
+              </a:rPr>
+              <a:t>104543</a:t>
+            </a:r>
+            <a:endParaRPr lang="ru-RU" sz="900" dirty="0">
               <a:solidFill>
                 <a:schemeClr val="bg1">
                   <a:lumMod val="50000"/>
@@ -4566,6 +4819,1358 @@
       </p:par>
     </p:tnLst>
   </p:timing>
+</p:sld>
+</file>
+
+<file path=ppt/slides/slide3.xml><?xml version="1.0" encoding="utf-8"?>
+<p:sld xmlns:a="http://schemas.openxmlformats.org/drawingml/2006/main" xmlns:r="http://schemas.openxmlformats.org/officeDocument/2006/relationships" xmlns:p="http://schemas.openxmlformats.org/presentationml/2006/main">
+  <p:cSld>
+    <p:spTree>
+      <p:nvGrpSpPr>
+        <p:cNvPr id="1" name=""/>
+        <p:cNvGrpSpPr/>
+        <p:nvPr/>
+      </p:nvGrpSpPr>
+      <p:grpSpPr>
+        <a:xfrm>
+          <a:off x="0" y="0"/>
+          <a:ext cx="0" cy="0"/>
+          <a:chOff x="0" y="0"/>
+          <a:chExt cx="0" cy="0"/>
+        </a:xfrm>
+      </p:grpSpPr>
+      <p:sp>
+        <p:nvSpPr>
+          <p:cNvPr id="4" name="Прямоугольник 3"/>
+          <p:cNvSpPr/>
+          <p:nvPr/>
+        </p:nvSpPr>
+        <p:spPr>
+          <a:xfrm>
+            <a:off x="539552" y="548680"/>
+            <a:ext cx="2016224" cy="369332"/>
+          </a:xfrm>
+          <a:prstGeom prst="rect">
+            <a:avLst/>
+          </a:prstGeom>
+        </p:spPr>
+        <p:txBody>
+          <a:bodyPr wrap="square">
+            <a:spAutoFit/>
+          </a:bodyPr>
+          <a:lstStyle/>
+          <a:p>
+            <a:r>
+              <a:rPr lang="ru-RU" dirty="0"/>
+              <a:t>ЦФ Восток</a:t>
+            </a:r>
+            <a:endParaRPr lang="ru-RU" dirty="0"/>
+          </a:p>
+        </p:txBody>
+      </p:sp>
+      <p:sp>
+        <p:nvSpPr>
+          <p:cNvPr id="5" name="Прямоугольник 4"/>
+          <p:cNvSpPr/>
+          <p:nvPr/>
+        </p:nvSpPr>
+        <p:spPr>
+          <a:xfrm>
+            <a:off x="611560" y="1191196"/>
+            <a:ext cx="468052" cy="204341"/>
+          </a:xfrm>
+          <a:prstGeom prst="rect">
+            <a:avLst/>
+          </a:prstGeom>
+          <a:noFill/>
+          <a:ln w="3175">
+            <a:noFill/>
+          </a:ln>
+        </p:spPr>
+        <p:style>
+          <a:lnRef idx="2">
+            <a:schemeClr val="accent1">
+              <a:shade val="50000"/>
+            </a:schemeClr>
+          </a:lnRef>
+          <a:fillRef idx="1">
+            <a:schemeClr val="accent1"/>
+          </a:fillRef>
+          <a:effectRef idx="0">
+            <a:schemeClr val="accent1"/>
+          </a:effectRef>
+          <a:fontRef idx="minor">
+            <a:schemeClr val="lt1"/>
+          </a:fontRef>
+        </p:style>
+        <p:txBody>
+          <a:bodyPr rtlCol="0" anchor="ctr"/>
+          <a:lstStyle/>
+          <a:p>
+            <a:r>
+              <a:rPr lang="ru-RU" sz="1050" dirty="0" smtClean="0">
+                <a:solidFill>
+                  <a:schemeClr val="bg1">
+                    <a:lumMod val="50000"/>
+                  </a:schemeClr>
+                </a:solidFill>
+              </a:rPr>
+              <a:t>МОР      </a:t>
+            </a:r>
+            <a:endParaRPr lang="ru-RU" sz="1050" dirty="0">
+              <a:solidFill>
+                <a:schemeClr val="bg1">
+                  <a:lumMod val="50000"/>
+                </a:schemeClr>
+              </a:solidFill>
+            </a:endParaRPr>
+          </a:p>
+        </p:txBody>
+      </p:sp>
+      <p:sp>
+        <p:nvSpPr>
+          <p:cNvPr id="11" name="Прямоугольник 10"/>
+          <p:cNvSpPr/>
+          <p:nvPr/>
+        </p:nvSpPr>
+        <p:spPr>
+          <a:xfrm>
+            <a:off x="611560" y="1476274"/>
+            <a:ext cx="936104" cy="204341"/>
+          </a:xfrm>
+          <a:prstGeom prst="rect">
+            <a:avLst/>
+          </a:prstGeom>
+          <a:noFill/>
+          <a:ln w="3175">
+            <a:noFill/>
+          </a:ln>
+        </p:spPr>
+        <p:style>
+          <a:lnRef idx="2">
+            <a:schemeClr val="accent1">
+              <a:shade val="50000"/>
+            </a:schemeClr>
+          </a:lnRef>
+          <a:fillRef idx="1">
+            <a:schemeClr val="accent1"/>
+          </a:fillRef>
+          <a:effectRef idx="0">
+            <a:schemeClr val="accent1"/>
+          </a:effectRef>
+          <a:fontRef idx="minor">
+            <a:schemeClr val="lt1"/>
+          </a:fontRef>
+        </p:style>
+        <p:txBody>
+          <a:bodyPr rtlCol="0" anchor="ctr"/>
+          <a:lstStyle/>
+          <a:p>
+            <a:r>
+              <a:rPr lang="ru-RU" sz="1050" dirty="0" smtClean="0">
+                <a:solidFill>
+                  <a:schemeClr val="bg1">
+                    <a:lumMod val="50000"/>
+                  </a:schemeClr>
+                </a:solidFill>
+              </a:rPr>
+              <a:t>Заместитель     </a:t>
+            </a:r>
+            <a:endParaRPr lang="ru-RU" sz="1050" dirty="0">
+              <a:solidFill>
+                <a:schemeClr val="bg1">
+                  <a:lumMod val="50000"/>
+                </a:schemeClr>
+              </a:solidFill>
+            </a:endParaRPr>
+          </a:p>
+        </p:txBody>
+      </p:sp>
+      <p:sp>
+        <p:nvSpPr>
+          <p:cNvPr id="12" name="Прямоугольник 11"/>
+          <p:cNvSpPr/>
+          <p:nvPr/>
+        </p:nvSpPr>
+        <p:spPr>
+          <a:xfrm>
+            <a:off x="611560" y="1779286"/>
+            <a:ext cx="1224136" cy="204342"/>
+          </a:xfrm>
+          <a:prstGeom prst="rect">
+            <a:avLst/>
+          </a:prstGeom>
+          <a:noFill/>
+          <a:ln w="3175">
+            <a:noFill/>
+          </a:ln>
+        </p:spPr>
+        <p:style>
+          <a:lnRef idx="2">
+            <a:schemeClr val="accent1">
+              <a:shade val="50000"/>
+            </a:schemeClr>
+          </a:lnRef>
+          <a:fillRef idx="1">
+            <a:schemeClr val="accent1"/>
+          </a:fillRef>
+          <a:effectRef idx="0">
+            <a:schemeClr val="accent1"/>
+          </a:effectRef>
+          <a:fontRef idx="minor">
+            <a:schemeClr val="lt1"/>
+          </a:fontRef>
+        </p:style>
+        <p:txBody>
+          <a:bodyPr rtlCol="0" anchor="ctr"/>
+          <a:lstStyle/>
+          <a:p>
+            <a:r>
+              <a:rPr lang="ru-RU" sz="1050" dirty="0" smtClean="0">
+                <a:solidFill>
+                  <a:schemeClr val="bg1">
+                    <a:lumMod val="50000"/>
+                  </a:schemeClr>
+                </a:solidFill>
+              </a:rPr>
+              <a:t>Срок замены (до)    </a:t>
+            </a:r>
+            <a:endParaRPr lang="ru-RU" sz="1050" dirty="0">
+              <a:solidFill>
+                <a:schemeClr val="bg1">
+                  <a:lumMod val="50000"/>
+                </a:schemeClr>
+              </a:solidFill>
+            </a:endParaRPr>
+          </a:p>
+        </p:txBody>
+      </p:sp>
+      <p:sp>
+        <p:nvSpPr>
+          <p:cNvPr id="14" name="Прямоугольник 13"/>
+          <p:cNvSpPr/>
+          <p:nvPr/>
+        </p:nvSpPr>
+        <p:spPr>
+          <a:xfrm>
+            <a:off x="611560" y="2072530"/>
+            <a:ext cx="1224136" cy="204342"/>
+          </a:xfrm>
+          <a:prstGeom prst="rect">
+            <a:avLst/>
+          </a:prstGeom>
+          <a:noFill/>
+          <a:ln w="3175">
+            <a:noFill/>
+          </a:ln>
+        </p:spPr>
+        <p:style>
+          <a:lnRef idx="2">
+            <a:schemeClr val="accent1">
+              <a:shade val="50000"/>
+            </a:schemeClr>
+          </a:lnRef>
+          <a:fillRef idx="1">
+            <a:schemeClr val="accent1"/>
+          </a:fillRef>
+          <a:effectRef idx="0">
+            <a:schemeClr val="accent1"/>
+          </a:effectRef>
+          <a:fontRef idx="minor">
+            <a:schemeClr val="lt1"/>
+          </a:fontRef>
+        </p:style>
+        <p:txBody>
+          <a:bodyPr rtlCol="0" anchor="ctr"/>
+          <a:lstStyle/>
+          <a:p>
+            <a:r>
+              <a:rPr lang="ru-RU" sz="1050" dirty="0" smtClean="0">
+                <a:solidFill>
+                  <a:schemeClr val="bg1">
+                    <a:lumMod val="50000"/>
+                  </a:schemeClr>
+                </a:solidFill>
+              </a:rPr>
+              <a:t>Замену поставил</a:t>
+            </a:r>
+            <a:endParaRPr lang="ru-RU" sz="1050" dirty="0">
+              <a:solidFill>
+                <a:schemeClr val="bg1">
+                  <a:lumMod val="50000"/>
+                </a:schemeClr>
+              </a:solidFill>
+            </a:endParaRPr>
+          </a:p>
+        </p:txBody>
+      </p:sp>
+      <p:sp>
+        <p:nvSpPr>
+          <p:cNvPr id="22" name="Прямоугольник 21"/>
+          <p:cNvSpPr/>
+          <p:nvPr/>
+        </p:nvSpPr>
+        <p:spPr>
+          <a:xfrm>
+            <a:off x="2210866" y="1191196"/>
+            <a:ext cx="2073102" cy="204341"/>
+          </a:xfrm>
+          <a:prstGeom prst="rect">
+            <a:avLst/>
+          </a:prstGeom>
+          <a:noFill/>
+          <a:ln w="3175">
+            <a:noFill/>
+          </a:ln>
+        </p:spPr>
+        <p:style>
+          <a:lnRef idx="2">
+            <a:schemeClr val="accent1">
+              <a:shade val="50000"/>
+            </a:schemeClr>
+          </a:lnRef>
+          <a:fillRef idx="1">
+            <a:schemeClr val="accent1"/>
+          </a:fillRef>
+          <a:effectRef idx="0">
+            <a:schemeClr val="accent1"/>
+          </a:effectRef>
+          <a:fontRef idx="minor">
+            <a:schemeClr val="lt1"/>
+          </a:fontRef>
+        </p:style>
+        <p:txBody>
+          <a:bodyPr rtlCol="0" anchor="ctr"/>
+          <a:lstStyle/>
+          <a:p>
+            <a:r>
+              <a:rPr lang="ru-RU" sz="1050" dirty="0" smtClean="0">
+                <a:solidFill>
+                  <a:schemeClr val="tx1"/>
+                </a:solidFill>
+              </a:rPr>
+              <a:t>Иванов Иван Иванович	      </a:t>
+            </a:r>
+            <a:endParaRPr lang="ru-RU" sz="1050" dirty="0">
+              <a:solidFill>
+                <a:schemeClr val="tx1"/>
+              </a:solidFill>
+            </a:endParaRPr>
+          </a:p>
+        </p:txBody>
+      </p:sp>
+      <p:sp>
+        <p:nvSpPr>
+          <p:cNvPr id="23" name="Прямоугольник 22"/>
+          <p:cNvSpPr/>
+          <p:nvPr/>
+        </p:nvSpPr>
+        <p:spPr>
+          <a:xfrm>
+            <a:off x="2210866" y="1476274"/>
+            <a:ext cx="2145110" cy="204341"/>
+          </a:xfrm>
+          <a:prstGeom prst="rect">
+            <a:avLst/>
+          </a:prstGeom>
+          <a:noFill/>
+          <a:ln w="3175">
+            <a:noFill/>
+          </a:ln>
+        </p:spPr>
+        <p:style>
+          <a:lnRef idx="2">
+            <a:schemeClr val="accent1">
+              <a:shade val="50000"/>
+            </a:schemeClr>
+          </a:lnRef>
+          <a:fillRef idx="1">
+            <a:schemeClr val="accent1"/>
+          </a:fillRef>
+          <a:effectRef idx="0">
+            <a:schemeClr val="accent1"/>
+          </a:effectRef>
+          <a:fontRef idx="minor">
+            <a:schemeClr val="lt1"/>
+          </a:fontRef>
+        </p:style>
+        <p:txBody>
+          <a:bodyPr rtlCol="0" anchor="ctr"/>
+          <a:lstStyle/>
+          <a:p>
+            <a:r>
+              <a:rPr lang="ru-RU" sz="1050" dirty="0">
+                <a:solidFill>
+                  <a:schemeClr val="tx1"/>
+                </a:solidFill>
+              </a:rPr>
+              <a:t>Петров Петр </a:t>
+            </a:r>
+            <a:r>
+              <a:rPr lang="ru-RU" sz="1050" dirty="0" smtClean="0">
+                <a:solidFill>
+                  <a:schemeClr val="tx1"/>
+                </a:solidFill>
+              </a:rPr>
+              <a:t>Петрович</a:t>
+            </a:r>
+            <a:endParaRPr lang="ru-RU" sz="800" dirty="0">
+              <a:solidFill>
+                <a:schemeClr val="bg1">
+                  <a:lumMod val="50000"/>
+                </a:schemeClr>
+              </a:solidFill>
+            </a:endParaRPr>
+          </a:p>
+        </p:txBody>
+      </p:sp>
+      <p:sp>
+        <p:nvSpPr>
+          <p:cNvPr id="24" name="Прямоугольник 23"/>
+          <p:cNvSpPr/>
+          <p:nvPr/>
+        </p:nvSpPr>
+        <p:spPr>
+          <a:xfrm>
+            <a:off x="2210867" y="1779286"/>
+            <a:ext cx="1224136" cy="204342"/>
+          </a:xfrm>
+          <a:prstGeom prst="rect">
+            <a:avLst/>
+          </a:prstGeom>
+          <a:noFill/>
+          <a:ln w="3175">
+            <a:noFill/>
+          </a:ln>
+        </p:spPr>
+        <p:style>
+          <a:lnRef idx="2">
+            <a:schemeClr val="accent1">
+              <a:shade val="50000"/>
+            </a:schemeClr>
+          </a:lnRef>
+          <a:fillRef idx="1">
+            <a:schemeClr val="accent1"/>
+          </a:fillRef>
+          <a:effectRef idx="0">
+            <a:schemeClr val="accent1"/>
+          </a:effectRef>
+          <a:fontRef idx="minor">
+            <a:schemeClr val="lt1"/>
+          </a:fontRef>
+        </p:style>
+        <p:txBody>
+          <a:bodyPr rtlCol="0" anchor="ctr"/>
+          <a:lstStyle/>
+          <a:p>
+            <a:r>
+              <a:rPr lang="ru-RU" sz="1050" dirty="0" smtClean="0">
+                <a:solidFill>
+                  <a:schemeClr val="tx1"/>
+                </a:solidFill>
+              </a:rPr>
+              <a:t>20.06.2107</a:t>
+            </a:r>
+            <a:endParaRPr lang="ru-RU" sz="1050" dirty="0">
+              <a:solidFill>
+                <a:schemeClr val="tx1"/>
+              </a:solidFill>
+            </a:endParaRPr>
+          </a:p>
+        </p:txBody>
+      </p:sp>
+      <p:sp>
+        <p:nvSpPr>
+          <p:cNvPr id="25" name="Прямоугольник 24"/>
+          <p:cNvSpPr/>
+          <p:nvPr/>
+        </p:nvSpPr>
+        <p:spPr>
+          <a:xfrm>
+            <a:off x="2210866" y="2072530"/>
+            <a:ext cx="2145109" cy="204342"/>
+          </a:xfrm>
+          <a:prstGeom prst="rect">
+            <a:avLst/>
+          </a:prstGeom>
+          <a:noFill/>
+          <a:ln w="3175">
+            <a:noFill/>
+          </a:ln>
+        </p:spPr>
+        <p:style>
+          <a:lnRef idx="2">
+            <a:schemeClr val="accent1">
+              <a:shade val="50000"/>
+            </a:schemeClr>
+          </a:lnRef>
+          <a:fillRef idx="1">
+            <a:schemeClr val="accent1"/>
+          </a:fillRef>
+          <a:effectRef idx="0">
+            <a:schemeClr val="accent1"/>
+          </a:effectRef>
+          <a:fontRef idx="minor">
+            <a:schemeClr val="lt1"/>
+          </a:fontRef>
+        </p:style>
+        <p:txBody>
+          <a:bodyPr rtlCol="0" anchor="ctr"/>
+          <a:lstStyle/>
+          <a:p>
+            <a:r>
+              <a:rPr lang="ru-RU" sz="1050" dirty="0">
+                <a:solidFill>
+                  <a:schemeClr val="tx1"/>
+                </a:solidFill>
+              </a:rPr>
+              <a:t>Иванов Иван Иванович	      </a:t>
+            </a:r>
+            <a:endParaRPr lang="ru-RU" sz="1050" dirty="0">
+              <a:solidFill>
+                <a:schemeClr val="tx1"/>
+              </a:solidFill>
+            </a:endParaRPr>
+          </a:p>
+        </p:txBody>
+      </p:sp>
+      <p:sp>
+        <p:nvSpPr>
+          <p:cNvPr id="27" name="Плюс 26"/>
+          <p:cNvSpPr/>
+          <p:nvPr/>
+        </p:nvSpPr>
+        <p:spPr>
+          <a:xfrm>
+            <a:off x="3726650" y="1216604"/>
+            <a:ext cx="178532" cy="153525"/>
+          </a:xfrm>
+          <a:prstGeom prst="mathPlus">
+            <a:avLst/>
+          </a:prstGeom>
+          <a:ln w="0"/>
+        </p:spPr>
+        <p:style>
+          <a:lnRef idx="2">
+            <a:schemeClr val="accent1">
+              <a:shade val="50000"/>
+            </a:schemeClr>
+          </a:lnRef>
+          <a:fillRef idx="1">
+            <a:schemeClr val="accent1"/>
+          </a:fillRef>
+          <a:effectRef idx="0">
+            <a:schemeClr val="accent1"/>
+          </a:effectRef>
+          <a:fontRef idx="minor">
+            <a:schemeClr val="lt1"/>
+          </a:fontRef>
+        </p:style>
+        <p:txBody>
+          <a:bodyPr rtlCol="0" anchor="ctr"/>
+          <a:lstStyle/>
+          <a:p>
+            <a:pPr algn="ctr"/>
+            <a:endParaRPr lang="ru-RU"/>
+          </a:p>
+        </p:txBody>
+      </p:sp>
+      <p:sp>
+        <p:nvSpPr>
+          <p:cNvPr id="28" name="Плюс 27"/>
+          <p:cNvSpPr/>
+          <p:nvPr/>
+        </p:nvSpPr>
+        <p:spPr>
+          <a:xfrm>
+            <a:off x="3745396" y="1501681"/>
+            <a:ext cx="178532" cy="153525"/>
+          </a:xfrm>
+          <a:prstGeom prst="mathPlus">
+            <a:avLst/>
+          </a:prstGeom>
+          <a:ln w="0"/>
+        </p:spPr>
+        <p:style>
+          <a:lnRef idx="2">
+            <a:schemeClr val="accent1">
+              <a:shade val="50000"/>
+            </a:schemeClr>
+          </a:lnRef>
+          <a:fillRef idx="1">
+            <a:schemeClr val="accent1"/>
+          </a:fillRef>
+          <a:effectRef idx="0">
+            <a:schemeClr val="accent1"/>
+          </a:effectRef>
+          <a:fontRef idx="minor">
+            <a:schemeClr val="lt1"/>
+          </a:fontRef>
+        </p:style>
+        <p:txBody>
+          <a:bodyPr rtlCol="0" anchor="ctr"/>
+          <a:lstStyle/>
+          <a:p>
+            <a:pPr algn="ctr"/>
+            <a:endParaRPr lang="ru-RU"/>
+          </a:p>
+        </p:txBody>
+      </p:sp>
+      <p:sp>
+        <p:nvSpPr>
+          <p:cNvPr id="29" name="Прямоугольник 28"/>
+          <p:cNvSpPr/>
+          <p:nvPr/>
+        </p:nvSpPr>
+        <p:spPr>
+          <a:xfrm>
+            <a:off x="2555776" y="2636912"/>
+            <a:ext cx="1368152" cy="216024"/>
+          </a:xfrm>
+          <a:prstGeom prst="rect">
+            <a:avLst/>
+          </a:prstGeom>
+          <a:solidFill>
+            <a:schemeClr val="accent2"/>
+          </a:solidFill>
+          <a:ln>
+            <a:solidFill>
+              <a:schemeClr val="accent2"/>
+            </a:solidFill>
+          </a:ln>
+        </p:spPr>
+        <p:style>
+          <a:lnRef idx="2">
+            <a:schemeClr val="accent1">
+              <a:shade val="50000"/>
+            </a:schemeClr>
+          </a:lnRef>
+          <a:fillRef idx="1">
+            <a:schemeClr val="accent1"/>
+          </a:fillRef>
+          <a:effectRef idx="0">
+            <a:schemeClr val="accent1"/>
+          </a:effectRef>
+          <a:fontRef idx="minor">
+            <a:schemeClr val="lt1"/>
+          </a:fontRef>
+        </p:style>
+        <p:txBody>
+          <a:bodyPr rtlCol="0" anchor="ctr"/>
+          <a:lstStyle/>
+          <a:p>
+            <a:pPr algn="ctr"/>
+            <a:r>
+              <a:rPr lang="ru-RU" sz="1400" dirty="0" smtClean="0"/>
+              <a:t>Сохранить</a:t>
+            </a:r>
+            <a:endParaRPr lang="ru-RU" sz="1400" dirty="0"/>
+          </a:p>
+        </p:txBody>
+      </p:sp>
+    </p:spTree>
+    <p:extLst>
+      <p:ext uri="{BB962C8B-B14F-4D97-AF65-F5344CB8AC3E}">
+        <p14:creationId xmlns:p14="http://schemas.microsoft.com/office/powerpoint/2010/main" val="191473173"/>
+      </p:ext>
+    </p:extLst>
+  </p:cSld>
+  <p:clrMapOvr>
+    <a:masterClrMapping/>
+  </p:clrMapOvr>
+</p:sld>
+</file>
+
+<file path=ppt/slides/slide4.xml><?xml version="1.0" encoding="utf-8"?>
+<p:sld xmlns:a="http://schemas.openxmlformats.org/drawingml/2006/main" xmlns:r="http://schemas.openxmlformats.org/officeDocument/2006/relationships" xmlns:p="http://schemas.openxmlformats.org/presentationml/2006/main">
+  <p:cSld>
+    <p:spTree>
+      <p:nvGrpSpPr>
+        <p:cNvPr id="1" name=""/>
+        <p:cNvGrpSpPr/>
+        <p:nvPr/>
+      </p:nvGrpSpPr>
+      <p:grpSpPr>
+        <a:xfrm>
+          <a:off x="0" y="0"/>
+          <a:ext cx="0" cy="0"/>
+          <a:chOff x="0" y="0"/>
+          <a:chExt cx="0" cy="0"/>
+        </a:xfrm>
+      </p:grpSpPr>
+      <p:sp>
+        <p:nvSpPr>
+          <p:cNvPr id="4" name="Прямоугольник 3"/>
+          <p:cNvSpPr/>
+          <p:nvPr/>
+        </p:nvSpPr>
+        <p:spPr>
+          <a:xfrm>
+            <a:off x="539552" y="548680"/>
+            <a:ext cx="4104456" cy="369332"/>
+          </a:xfrm>
+          <a:prstGeom prst="rect">
+            <a:avLst/>
+          </a:prstGeom>
+        </p:spPr>
+        <p:txBody>
+          <a:bodyPr wrap="square">
+            <a:spAutoFit/>
+          </a:bodyPr>
+          <a:lstStyle/>
+          <a:p>
+            <a:r>
+              <a:rPr lang="ru-RU" dirty="0"/>
+              <a:t>Иванов Иван Иванович	      </a:t>
+            </a:r>
+            <a:endParaRPr lang="ru-RU" dirty="0"/>
+          </a:p>
+        </p:txBody>
+      </p:sp>
+      <p:sp>
+        <p:nvSpPr>
+          <p:cNvPr id="13" name="Прямоугольник 12"/>
+          <p:cNvSpPr/>
+          <p:nvPr/>
+        </p:nvSpPr>
+        <p:spPr>
+          <a:xfrm>
+            <a:off x="611560" y="1240552"/>
+            <a:ext cx="8280920" cy="316240"/>
+          </a:xfrm>
+          <a:prstGeom prst="rect">
+            <a:avLst/>
+          </a:prstGeom>
+          <a:solidFill>
+            <a:schemeClr val="bg1">
+              <a:lumMod val="95000"/>
+            </a:schemeClr>
+          </a:solidFill>
+          <a:ln>
+            <a:solidFill>
+              <a:schemeClr val="bg1"/>
+            </a:solidFill>
+          </a:ln>
+        </p:spPr>
+        <p:style>
+          <a:lnRef idx="2">
+            <a:schemeClr val="accent1">
+              <a:shade val="50000"/>
+            </a:schemeClr>
+          </a:lnRef>
+          <a:fillRef idx="1">
+            <a:schemeClr val="accent1"/>
+          </a:fillRef>
+          <a:effectRef idx="0">
+            <a:schemeClr val="accent1"/>
+          </a:effectRef>
+          <a:fontRef idx="minor">
+            <a:schemeClr val="lt1"/>
+          </a:fontRef>
+        </p:style>
+        <p:txBody>
+          <a:bodyPr rtlCol="0" anchor="ctr"/>
+          <a:lstStyle/>
+          <a:p>
+            <a:endParaRPr lang="en-US" sz="1400" dirty="0" smtClean="0">
+              <a:solidFill>
+                <a:schemeClr val="tx1"/>
+              </a:solidFill>
+            </a:endParaRPr>
+          </a:p>
+        </p:txBody>
+      </p:sp>
+      <p:sp>
+        <p:nvSpPr>
+          <p:cNvPr id="19" name="Прямоугольник 18"/>
+          <p:cNvSpPr/>
+          <p:nvPr/>
+        </p:nvSpPr>
+        <p:spPr>
+          <a:xfrm>
+            <a:off x="975139" y="1311196"/>
+            <a:ext cx="1004573" cy="142275"/>
+          </a:xfrm>
+          <a:prstGeom prst="rect">
+            <a:avLst/>
+          </a:prstGeom>
+          <a:noFill/>
+          <a:ln>
+            <a:noFill/>
+          </a:ln>
+        </p:spPr>
+        <p:style>
+          <a:lnRef idx="2">
+            <a:schemeClr val="accent1">
+              <a:shade val="50000"/>
+            </a:schemeClr>
+          </a:lnRef>
+          <a:fillRef idx="1">
+            <a:schemeClr val="accent1"/>
+          </a:fillRef>
+          <a:effectRef idx="0">
+            <a:schemeClr val="accent1"/>
+          </a:effectRef>
+          <a:fontRef idx="minor">
+            <a:schemeClr val="lt1"/>
+          </a:fontRef>
+        </p:style>
+        <p:txBody>
+          <a:bodyPr rtlCol="0" anchor="ctr"/>
+          <a:lstStyle/>
+          <a:p>
+            <a:r>
+              <a:rPr lang="ru-RU" sz="1100" dirty="0" smtClean="0">
+                <a:solidFill>
+                  <a:schemeClr val="tx1"/>
+                </a:solidFill>
+              </a:rPr>
+              <a:t>ЦФ Восток</a:t>
+            </a:r>
+            <a:endParaRPr lang="ru-RU" sz="1100" dirty="0">
+              <a:solidFill>
+                <a:schemeClr val="tx1"/>
+              </a:solidFill>
+            </a:endParaRPr>
+          </a:p>
+        </p:txBody>
+      </p:sp>
+      <p:sp>
+        <p:nvSpPr>
+          <p:cNvPr id="2" name="Прямоугольник 1"/>
+          <p:cNvSpPr/>
+          <p:nvPr/>
+        </p:nvSpPr>
+        <p:spPr>
+          <a:xfrm>
+            <a:off x="7884368" y="1311196"/>
+            <a:ext cx="864096" cy="142275"/>
+          </a:xfrm>
+          <a:prstGeom prst="rect">
+            <a:avLst/>
+          </a:prstGeom>
+          <a:noFill/>
+          <a:ln w="3175">
+            <a:noFill/>
+          </a:ln>
+        </p:spPr>
+        <p:style>
+          <a:lnRef idx="2">
+            <a:schemeClr val="accent1">
+              <a:shade val="50000"/>
+            </a:schemeClr>
+          </a:lnRef>
+          <a:fillRef idx="1">
+            <a:schemeClr val="accent1"/>
+          </a:fillRef>
+          <a:effectRef idx="0">
+            <a:schemeClr val="accent1"/>
+          </a:effectRef>
+          <a:fontRef idx="minor">
+            <a:schemeClr val="lt1"/>
+          </a:fontRef>
+        </p:style>
+        <p:txBody>
+          <a:bodyPr rtlCol="0" anchor="ctr"/>
+          <a:lstStyle/>
+          <a:p>
+            <a:r>
+              <a:rPr lang="ru-RU" sz="900" dirty="0" smtClean="0">
+                <a:solidFill>
+                  <a:schemeClr val="bg1">
+                    <a:lumMod val="50000"/>
+                  </a:schemeClr>
+                </a:solidFill>
+              </a:rPr>
+              <a:t>Заместитель</a:t>
+            </a:r>
+            <a:endParaRPr lang="ru-RU" sz="900" dirty="0">
+              <a:solidFill>
+                <a:schemeClr val="bg1">
+                  <a:lumMod val="50000"/>
+                </a:schemeClr>
+              </a:solidFill>
+            </a:endParaRPr>
+          </a:p>
+        </p:txBody>
+      </p:sp>
+      <p:sp>
+        <p:nvSpPr>
+          <p:cNvPr id="3" name="Прямоугольник 2"/>
+          <p:cNvSpPr/>
+          <p:nvPr/>
+        </p:nvSpPr>
+        <p:spPr>
+          <a:xfrm>
+            <a:off x="749152" y="1335917"/>
+            <a:ext cx="144016" cy="144016"/>
+          </a:xfrm>
+          <a:prstGeom prst="rect">
+            <a:avLst/>
+          </a:prstGeom>
+          <a:noFill/>
+        </p:spPr>
+        <p:style>
+          <a:lnRef idx="2">
+            <a:schemeClr val="accent1">
+              <a:shade val="50000"/>
+            </a:schemeClr>
+          </a:lnRef>
+          <a:fillRef idx="1">
+            <a:schemeClr val="accent1"/>
+          </a:fillRef>
+          <a:effectRef idx="0">
+            <a:schemeClr val="accent1"/>
+          </a:effectRef>
+          <a:fontRef idx="minor">
+            <a:schemeClr val="lt1"/>
+          </a:fontRef>
+        </p:style>
+        <p:txBody>
+          <a:bodyPr rtlCol="0" anchor="ctr"/>
+          <a:lstStyle/>
+          <a:p>
+            <a:pPr algn="ctr"/>
+            <a:endParaRPr lang="ru-RU"/>
+          </a:p>
+        </p:txBody>
+      </p:sp>
+      <p:sp>
+        <p:nvSpPr>
+          <p:cNvPr id="26" name="Прямоугольник 25"/>
+          <p:cNvSpPr/>
+          <p:nvPr/>
+        </p:nvSpPr>
+        <p:spPr>
+          <a:xfrm>
+            <a:off x="611560" y="1600592"/>
+            <a:ext cx="8280920" cy="316240"/>
+          </a:xfrm>
+          <a:prstGeom prst="rect">
+            <a:avLst/>
+          </a:prstGeom>
+          <a:solidFill>
+            <a:schemeClr val="bg1">
+              <a:lumMod val="95000"/>
+            </a:schemeClr>
+          </a:solidFill>
+          <a:ln>
+            <a:solidFill>
+              <a:schemeClr val="bg1"/>
+            </a:solidFill>
+          </a:ln>
+        </p:spPr>
+        <p:style>
+          <a:lnRef idx="2">
+            <a:schemeClr val="accent1">
+              <a:shade val="50000"/>
+            </a:schemeClr>
+          </a:lnRef>
+          <a:fillRef idx="1">
+            <a:schemeClr val="accent1"/>
+          </a:fillRef>
+          <a:effectRef idx="0">
+            <a:schemeClr val="accent1"/>
+          </a:effectRef>
+          <a:fontRef idx="minor">
+            <a:schemeClr val="lt1"/>
+          </a:fontRef>
+        </p:style>
+        <p:txBody>
+          <a:bodyPr rtlCol="0" anchor="ctr"/>
+          <a:lstStyle/>
+          <a:p>
+            <a:endParaRPr lang="en-US" sz="1400" dirty="0" smtClean="0">
+              <a:solidFill>
+                <a:schemeClr val="tx1"/>
+              </a:solidFill>
+            </a:endParaRPr>
+          </a:p>
+        </p:txBody>
+      </p:sp>
+      <p:sp>
+        <p:nvSpPr>
+          <p:cNvPr id="29" name="Прямоугольник 28"/>
+          <p:cNvSpPr/>
+          <p:nvPr/>
+        </p:nvSpPr>
+        <p:spPr>
+          <a:xfrm>
+            <a:off x="958619" y="1671236"/>
+            <a:ext cx="1004573" cy="142275"/>
+          </a:xfrm>
+          <a:prstGeom prst="rect">
+            <a:avLst/>
+          </a:prstGeom>
+          <a:noFill/>
+          <a:ln>
+            <a:noFill/>
+          </a:ln>
+        </p:spPr>
+        <p:style>
+          <a:lnRef idx="2">
+            <a:schemeClr val="accent1">
+              <a:shade val="50000"/>
+            </a:schemeClr>
+          </a:lnRef>
+          <a:fillRef idx="1">
+            <a:schemeClr val="accent1"/>
+          </a:fillRef>
+          <a:effectRef idx="0">
+            <a:schemeClr val="accent1"/>
+          </a:effectRef>
+          <a:fontRef idx="minor">
+            <a:schemeClr val="lt1"/>
+          </a:fontRef>
+        </p:style>
+        <p:txBody>
+          <a:bodyPr rtlCol="0" anchor="ctr"/>
+          <a:lstStyle/>
+          <a:p>
+            <a:r>
+              <a:rPr lang="ru-RU" sz="1100" dirty="0" smtClean="0">
+                <a:solidFill>
+                  <a:schemeClr val="tx1"/>
+                </a:solidFill>
+              </a:rPr>
+              <a:t>ЦФ </a:t>
+            </a:r>
+            <a:r>
+              <a:rPr lang="ru-RU" sz="1100" dirty="0" smtClean="0">
+                <a:solidFill>
+                  <a:schemeClr val="tx1"/>
+                </a:solidFill>
+              </a:rPr>
+              <a:t>Запад</a:t>
+            </a:r>
+            <a:endParaRPr lang="ru-RU" sz="1100" dirty="0">
+              <a:solidFill>
+                <a:schemeClr val="tx1"/>
+              </a:solidFill>
+            </a:endParaRPr>
+          </a:p>
+        </p:txBody>
+      </p:sp>
+      <p:sp>
+        <p:nvSpPr>
+          <p:cNvPr id="30" name="Прямоугольник 29"/>
+          <p:cNvSpPr/>
+          <p:nvPr/>
+        </p:nvSpPr>
+        <p:spPr>
+          <a:xfrm>
+            <a:off x="7867848" y="1671236"/>
+            <a:ext cx="864096" cy="142275"/>
+          </a:xfrm>
+          <a:prstGeom prst="rect">
+            <a:avLst/>
+          </a:prstGeom>
+          <a:noFill/>
+          <a:ln w="3175">
+            <a:noFill/>
+          </a:ln>
+        </p:spPr>
+        <p:style>
+          <a:lnRef idx="2">
+            <a:schemeClr val="accent1">
+              <a:shade val="50000"/>
+            </a:schemeClr>
+          </a:lnRef>
+          <a:fillRef idx="1">
+            <a:schemeClr val="accent1"/>
+          </a:fillRef>
+          <a:effectRef idx="0">
+            <a:schemeClr val="accent1"/>
+          </a:effectRef>
+          <a:fontRef idx="minor">
+            <a:schemeClr val="lt1"/>
+          </a:fontRef>
+        </p:style>
+        <p:txBody>
+          <a:bodyPr rtlCol="0" anchor="ctr"/>
+          <a:lstStyle/>
+          <a:p>
+            <a:r>
+              <a:rPr lang="ru-RU" sz="900" dirty="0" smtClean="0">
+                <a:solidFill>
+                  <a:schemeClr val="bg1">
+                    <a:lumMod val="50000"/>
+                  </a:schemeClr>
+                </a:solidFill>
+              </a:rPr>
+              <a:t>МОР</a:t>
+            </a:r>
+            <a:endParaRPr lang="ru-RU" sz="900" dirty="0">
+              <a:solidFill>
+                <a:schemeClr val="bg1">
+                  <a:lumMod val="50000"/>
+                </a:schemeClr>
+              </a:solidFill>
+            </a:endParaRPr>
+          </a:p>
+        </p:txBody>
+      </p:sp>
+      <p:sp>
+        <p:nvSpPr>
+          <p:cNvPr id="31" name="Прямоугольник 30"/>
+          <p:cNvSpPr/>
+          <p:nvPr/>
+        </p:nvSpPr>
+        <p:spPr>
+          <a:xfrm>
+            <a:off x="749152" y="1695957"/>
+            <a:ext cx="144016" cy="144016"/>
+          </a:xfrm>
+          <a:prstGeom prst="rect">
+            <a:avLst/>
+          </a:prstGeom>
+          <a:noFill/>
+        </p:spPr>
+        <p:style>
+          <a:lnRef idx="2">
+            <a:schemeClr val="accent1">
+              <a:shade val="50000"/>
+            </a:schemeClr>
+          </a:lnRef>
+          <a:fillRef idx="1">
+            <a:schemeClr val="accent1"/>
+          </a:fillRef>
+          <a:effectRef idx="0">
+            <a:schemeClr val="accent1"/>
+          </a:effectRef>
+          <a:fontRef idx="minor">
+            <a:schemeClr val="lt1"/>
+          </a:fontRef>
+        </p:style>
+        <p:txBody>
+          <a:bodyPr rtlCol="0" anchor="ctr"/>
+          <a:lstStyle/>
+          <a:p>
+            <a:pPr algn="ctr"/>
+            <a:endParaRPr lang="ru-RU"/>
+          </a:p>
+        </p:txBody>
+      </p:sp>
+      <p:cxnSp>
+        <p:nvCxnSpPr>
+          <p:cNvPr id="7" name="Прямая соединительная линия 6"/>
+          <p:cNvCxnSpPr/>
+          <p:nvPr/>
+        </p:nvCxnSpPr>
+        <p:spPr>
+          <a:xfrm>
+            <a:off x="785156" y="1739389"/>
+            <a:ext cx="36004" cy="36004"/>
+          </a:xfrm>
+          <a:prstGeom prst="line">
+            <a:avLst/>
+          </a:prstGeom>
+        </p:spPr>
+        <p:style>
+          <a:lnRef idx="1">
+            <a:schemeClr val="accent1"/>
+          </a:lnRef>
+          <a:fillRef idx="0">
+            <a:schemeClr val="accent1"/>
+          </a:fillRef>
+          <a:effectRef idx="0">
+            <a:schemeClr val="accent1"/>
+          </a:effectRef>
+          <a:fontRef idx="minor">
+            <a:schemeClr val="tx1"/>
+          </a:fontRef>
+        </p:style>
+      </p:cxnSp>
+      <p:cxnSp>
+        <p:nvCxnSpPr>
+          <p:cNvPr id="32" name="Прямая соединительная линия 31"/>
+          <p:cNvCxnSpPr/>
+          <p:nvPr/>
+        </p:nvCxnSpPr>
+        <p:spPr>
+          <a:xfrm flipV="1">
+            <a:off x="821160" y="1651569"/>
+            <a:ext cx="106052" cy="123824"/>
+          </a:xfrm>
+          <a:prstGeom prst="line">
+            <a:avLst/>
+          </a:prstGeom>
+        </p:spPr>
+        <p:style>
+          <a:lnRef idx="1">
+            <a:schemeClr val="accent1"/>
+          </a:lnRef>
+          <a:fillRef idx="0">
+            <a:schemeClr val="accent1"/>
+          </a:fillRef>
+          <a:effectRef idx="0">
+            <a:schemeClr val="accent1"/>
+          </a:effectRef>
+          <a:fontRef idx="minor">
+            <a:schemeClr val="tx1"/>
+          </a:fontRef>
+        </p:style>
+      </p:cxnSp>
+      <p:sp>
+        <p:nvSpPr>
+          <p:cNvPr id="33" name="Прямоугольник 32"/>
+          <p:cNvSpPr/>
+          <p:nvPr/>
+        </p:nvSpPr>
+        <p:spPr>
+          <a:xfrm>
+            <a:off x="730170" y="1047062"/>
+            <a:ext cx="144016" cy="144016"/>
+          </a:xfrm>
+          <a:prstGeom prst="rect">
+            <a:avLst/>
+          </a:prstGeom>
+          <a:solidFill>
+            <a:schemeClr val="bg1">
+              <a:lumMod val="75000"/>
+            </a:schemeClr>
+          </a:solidFill>
+          <a:ln w="3175"/>
+        </p:spPr>
+        <p:style>
+          <a:lnRef idx="2">
+            <a:schemeClr val="accent1">
+              <a:shade val="50000"/>
+            </a:schemeClr>
+          </a:lnRef>
+          <a:fillRef idx="1">
+            <a:schemeClr val="accent1"/>
+          </a:fillRef>
+          <a:effectRef idx="0">
+            <a:schemeClr val="accent1"/>
+          </a:effectRef>
+          <a:fontRef idx="minor">
+            <a:schemeClr val="lt1"/>
+          </a:fontRef>
+        </p:style>
+        <p:txBody>
+          <a:bodyPr rtlCol="0" anchor="ctr"/>
+          <a:lstStyle/>
+          <a:p>
+            <a:pPr algn="ctr"/>
+            <a:endParaRPr lang="ru-RU"/>
+          </a:p>
+        </p:txBody>
+      </p:sp>
+      <p:sp>
+        <p:nvSpPr>
+          <p:cNvPr id="34" name="Прямоугольник 33"/>
+          <p:cNvSpPr/>
+          <p:nvPr/>
+        </p:nvSpPr>
+        <p:spPr>
+          <a:xfrm>
+            <a:off x="1043608" y="1047062"/>
+            <a:ext cx="648072" cy="144016"/>
+          </a:xfrm>
+          <a:prstGeom prst="rect">
+            <a:avLst/>
+          </a:prstGeom>
+          <a:solidFill>
+            <a:schemeClr val="accent1">
+              <a:lumMod val="75000"/>
+            </a:schemeClr>
+          </a:solidFill>
+          <a:ln>
+            <a:noFill/>
+          </a:ln>
+        </p:spPr>
+        <p:style>
+          <a:lnRef idx="2">
+            <a:schemeClr val="accent1">
+              <a:shade val="50000"/>
+            </a:schemeClr>
+          </a:lnRef>
+          <a:fillRef idx="1">
+            <a:schemeClr val="accent1"/>
+          </a:fillRef>
+          <a:effectRef idx="0">
+            <a:schemeClr val="accent1"/>
+          </a:effectRef>
+          <a:fontRef idx="minor">
+            <a:schemeClr val="lt1"/>
+          </a:fontRef>
+        </p:style>
+        <p:txBody>
+          <a:bodyPr rtlCol="0" anchor="ctr"/>
+          <a:lstStyle/>
+          <a:p>
+            <a:pPr algn="ctr"/>
+            <a:r>
+              <a:rPr lang="ru-RU" sz="900" dirty="0" smtClean="0"/>
+              <a:t>Удалить</a:t>
+            </a:r>
+            <a:endParaRPr lang="ru-RU" sz="900" dirty="0"/>
+          </a:p>
+        </p:txBody>
+      </p:sp>
+      <p:sp>
+        <p:nvSpPr>
+          <p:cNvPr id="35" name="Прямоугольник 34"/>
+          <p:cNvSpPr/>
+          <p:nvPr/>
+        </p:nvSpPr>
+        <p:spPr>
+          <a:xfrm>
+            <a:off x="8172400" y="2060848"/>
+            <a:ext cx="720080" cy="216024"/>
+          </a:xfrm>
+          <a:prstGeom prst="rect">
+            <a:avLst/>
+          </a:prstGeom>
+          <a:solidFill>
+            <a:schemeClr val="accent1">
+              <a:lumMod val="75000"/>
+            </a:schemeClr>
+          </a:solidFill>
+          <a:ln>
+            <a:noFill/>
+          </a:ln>
+        </p:spPr>
+        <p:style>
+          <a:lnRef idx="2">
+            <a:schemeClr val="accent1">
+              <a:shade val="50000"/>
+            </a:schemeClr>
+          </a:lnRef>
+          <a:fillRef idx="1">
+            <a:schemeClr val="accent1"/>
+          </a:fillRef>
+          <a:effectRef idx="0">
+            <a:schemeClr val="accent1"/>
+          </a:effectRef>
+          <a:fontRef idx="minor">
+            <a:schemeClr val="lt1"/>
+          </a:fontRef>
+        </p:style>
+        <p:txBody>
+          <a:bodyPr rtlCol="0" anchor="ctr"/>
+          <a:lstStyle/>
+          <a:p>
+            <a:pPr algn="ctr"/>
+            <a:r>
+              <a:rPr lang="ru-RU" sz="900" dirty="0" smtClean="0"/>
+              <a:t>Добавить</a:t>
+            </a:r>
+            <a:endParaRPr lang="ru-RU" sz="900" dirty="0"/>
+          </a:p>
+        </p:txBody>
+      </p:sp>
+    </p:spTree>
+    <p:extLst>
+      <p:ext uri="{BB962C8B-B14F-4D97-AF65-F5344CB8AC3E}">
+        <p14:creationId xmlns:p14="http://schemas.microsoft.com/office/powerpoint/2010/main" val="1204210568"/>
+      </p:ext>
+    </p:extLst>
+  </p:cSld>
+  <p:clrMapOvr>
+    <a:masterClrMapping/>
+  </p:clrMapOvr>
 </p:sld>
 </file>
 
